--- a/FrontEnd/Week4/Week4.pptx
+++ b/FrontEnd/Week4/Week4.pptx
@@ -132,7 +132,7 @@
   <pc:docChgLst>
     <pc:chgData name="Noman  Atique" userId="aab35d70-e8e0-4a76-8862-eddb3a1d4775" providerId="ADAL" clId="{D4AAC077-1EEA-4817-98ED-55C003801FB8}"/>
     <pc:docChg chg="undo custSel addSld delSld modSld sldOrd">
-      <pc:chgData name="Noman  Atique" userId="aab35d70-e8e0-4a76-8862-eddb3a1d4775" providerId="ADAL" clId="{D4AAC077-1EEA-4817-98ED-55C003801FB8}" dt="2026-01-29T16:03:00.828" v="661" actId="20577"/>
+      <pc:chgData name="Noman  Atique" userId="aab35d70-e8e0-4a76-8862-eddb3a1d4775" providerId="ADAL" clId="{D4AAC077-1EEA-4817-98ED-55C003801FB8}" dt="2026-01-29T17:18:35.626" v="1159" actId="5793"/>
       <pc:docMkLst>
         <pc:docMk/>
       </pc:docMkLst>
@@ -374,7 +374,7 @@
         </pc:spChg>
       </pc:sldChg>
       <pc:sldChg chg="modSp new mod">
-        <pc:chgData name="Noman  Atique" userId="aab35d70-e8e0-4a76-8862-eddb3a1d4775" providerId="ADAL" clId="{D4AAC077-1EEA-4817-98ED-55C003801FB8}" dt="2026-01-29T15:23:11.656" v="527" actId="20577"/>
+        <pc:chgData name="Noman  Atique" userId="aab35d70-e8e0-4a76-8862-eddb3a1d4775" providerId="ADAL" clId="{D4AAC077-1EEA-4817-98ED-55C003801FB8}" dt="2026-01-29T17:18:35.626" v="1159" actId="5793"/>
         <pc:sldMkLst>
           <pc:docMk/>
           <pc:sldMk cId="3983335661" sldId="275"/>
@@ -388,7 +388,7 @@
           </ac:spMkLst>
         </pc:spChg>
         <pc:spChg chg="mod">
-          <ac:chgData name="Noman  Atique" userId="aab35d70-e8e0-4a76-8862-eddb3a1d4775" providerId="ADAL" clId="{D4AAC077-1EEA-4817-98ED-55C003801FB8}" dt="2026-01-29T15:23:11.656" v="527" actId="20577"/>
+          <ac:chgData name="Noman  Atique" userId="aab35d70-e8e0-4a76-8862-eddb3a1d4775" providerId="ADAL" clId="{D4AAC077-1EEA-4817-98ED-55C003801FB8}" dt="2026-01-29T17:18:35.626" v="1159" actId="5793"/>
           <ac:spMkLst>
             <pc:docMk/>
             <pc:sldMk cId="3983335661" sldId="275"/>
@@ -3532,12 +3532,8 @@
           </a:p>
           <a:p>
             <a:r>
-              <a:rPr lang="en-US"/>
-              <a:t>While as </a:t>
-            </a:r>
-            <a:r>
               <a:rPr lang="en-US" dirty="0"/>
-              <a:t>the CSS Grid is two dimensional</a:t>
+              <a:t>While as the CSS Grid is two dimensional</a:t>
             </a:r>
           </a:p>
         </p:txBody>
@@ -4021,31 +4017,56 @@
         </p:nvSpPr>
         <p:spPr/>
         <p:txBody>
-          <a:bodyPr/>
+          <a:bodyPr>
+            <a:normAutofit fontScale="85000" lnSpcReduction="20000"/>
+          </a:bodyPr>
           <a:lstStyle/>
           <a:p>
             <a:r>
               <a:rPr lang="en-US" dirty="0"/>
-              <a:t>static</a:t>
+              <a:t>static – default position of an element on the page</a:t>
             </a:r>
           </a:p>
           <a:p>
             <a:r>
               <a:rPr lang="en-US" dirty="0"/>
-              <a:t>relative</a:t>
+              <a:t>Relative – takes its initial position and can be translated from there on.</a:t>
             </a:r>
           </a:p>
           <a:p>
             <a:r>
               <a:rPr lang="en-US" dirty="0"/>
-              <a:t>absolute</a:t>
-            </a:r>
-          </a:p>
-          <a:p>
+              <a:t>Absolute – by default it is positioned relative to its closest ancestor(</a:t>
+            </a:r>
+            <a:r>
+              <a:rPr lang="en-US" dirty="0">
+                <a:solidFill>
+                  <a:srgbClr val="FFFF00"/>
+                </a:solidFill>
+              </a:rPr>
+              <a:t>usually body tag</a:t>
+            </a:r>
             <a:r>
               <a:rPr lang="en-US" dirty="0"/>
-              <a:t>sticky- most interesting</a:t>
-            </a:r>
+              <a:t>). If you define position relative on a parent element then it is going to be positioned in that context..</a:t>
+            </a:r>
+          </a:p>
+          <a:p>
+            <a:r>
+              <a:rPr lang="en-US" dirty="0"/>
+              <a:t>fixed – rips out the element from the document and fixes it to the viewport</a:t>
+            </a:r>
+          </a:p>
+          <a:p>
+            <a:r>
+              <a:rPr lang="en-US" dirty="0"/>
+              <a:t>sticky- most interesting – switched between position static </a:t>
+            </a:r>
+            <a:r>
+              <a:rPr lang="en-US"/>
+              <a:t>and fixed…</a:t>
+            </a:r>
+            <a:endParaRPr lang="en-US" dirty="0"/>
           </a:p>
           <a:p>
             <a:endParaRPr lang="en-US" dirty="0"/>
